--- a/Checkpoint/【T33】0510-南山-文本機器人進度匯報.pptx
+++ b/Checkpoint/【T33】0510-南山-文本機器人進度匯報.pptx
@@ -241,7 +241,7 @@
           <a:p>
             <a:fld id="{7A4399F5-3F08-4C05-8350-8E88625E00F0}" type="datetimeFigureOut">
               <a:rPr lang="zh-TW" altLang="en-US" smtClean="0"/>
-              <a:t>2021/5/9</a:t>
+              <a:t>2021/5/10</a:t>
             </a:fld>
             <a:endParaRPr lang="zh-TW" altLang="en-US"/>
           </a:p>
@@ -419,7 +419,7 @@
           <a:p>
             <a:fld id="{5D13BBE5-0BEA-4494-9BEF-C8C2F48C9E2D}" type="datetimeFigureOut">
               <a:rPr lang="zh-CN" altLang="en-US" smtClean="0"/>
-              <a:t>2021/5/9</a:t>
+              <a:t>2021/5/10</a:t>
             </a:fld>
             <a:endParaRPr lang="zh-CN" altLang="en-US"/>
           </a:p>
@@ -1633,7 +1633,7 @@
                 </a:solidFill>
               </a:rPr>
               <a:pPr/>
-              <a:t>2021/5/9</a:t>
+              <a:t>2021/5/10</a:t>
             </a:fld>
             <a:endParaRPr lang="zh-CN" altLang="en-US">
               <a:solidFill>
@@ -10657,7 +10657,7 @@
               <a:t>1</a:t>
             </a:r>
             <a:r>
-              <a:rPr lang="zh-TW" altLang="en-US" sz="2000" b="1" dirty="0">
+              <a:rPr lang="zh-TW" altLang="en-US" sz="2000" b="1">
                 <a:solidFill>
                   <a:schemeClr val="bg2">
                     <a:lumMod val="75000"/>
@@ -10666,7 +10666,19 @@
                 <a:latin typeface="微軟正黑體" panose="020B0604030504040204" pitchFamily="34" charset="-120"/>
                 <a:ea typeface="微軟正黑體" panose="020B0604030504040204" pitchFamily="34" charset="-120"/>
               </a:rPr>
-              <a:t>個方框。</a:t>
+              <a:t>個顏色方框</a:t>
+            </a:r>
+            <a:r>
+              <a:rPr lang="zh-TW" altLang="en-US" sz="2000" b="1" dirty="0">
+                <a:solidFill>
+                  <a:schemeClr val="bg2">
+                    <a:lumMod val="75000"/>
+                  </a:schemeClr>
+                </a:solidFill>
+                <a:latin typeface="微軟正黑體" panose="020B0604030504040204" pitchFamily="34" charset="-120"/>
+                <a:ea typeface="微軟正黑體" panose="020B0604030504040204" pitchFamily="34" charset="-120"/>
+              </a:rPr>
+              <a:t>。</a:t>
             </a:r>
             <a:endParaRPr lang="en-US" altLang="zh-TW" sz="2000" b="1" dirty="0">
               <a:solidFill>
